--- a/SudokuPresentation.pptx
+++ b/SudokuPresentation.pptx
@@ -220,7 +220,7 @@
           <a:p>
             <a:fld id="{7487ADD9-2083-264C-A652-8D52D02F7E72}" type="datetimeFigureOut">
               <a:rPr lang="en-US" smtClean="0"/>
-              <a:t>1/19/2023</a:t>
+              <a:t>1/25/2023</a:t>
             </a:fld>
             <a:endParaRPr lang="en-US" dirty="0"/>
           </a:p>
@@ -1877,7 +1877,7 @@
             <a:fld id="{5F02DCD1-2C6B-F948-9F72-3BB0CF3D512E}" type="datetime1">
               <a:rPr lang="en-US" smtClean="0"/>
               <a:pPr/>
-              <a:t>1/19/2023</a:t>
+              <a:t>1/25/2023</a:t>
             </a:fld>
             <a:endParaRPr lang="en-US" dirty="0"/>
           </a:p>
@@ -2762,7 +2762,7 @@
             <a:fld id="{C1583C39-01BF-7F43-854C-FBB4E9AB6B0C}" type="datetime1">
               <a:rPr lang="en-US" smtClean="0"/>
               <a:pPr/>
-              <a:t>1/19/2023</a:t>
+              <a:t>1/25/2023</a:t>
             </a:fld>
             <a:endParaRPr lang="en-US" dirty="0"/>
           </a:p>
@@ -3939,7 +3939,7 @@
             <a:fld id="{4B103E64-1627-9140-8127-1849FED275E1}" type="datetime1">
               <a:rPr lang="en-US" smtClean="0"/>
               <a:pPr/>
-              <a:t>1/19/2023</a:t>
+              <a:t>1/25/2023</a:t>
             </a:fld>
             <a:endParaRPr lang="en-US" dirty="0"/>
           </a:p>
@@ -6019,7 +6019,7 @@
             <a:fld id="{DD9C8446-696E-6942-B6C8-CC9CAD0B34E0}" type="datetime1">
               <a:rPr lang="en-US" smtClean="0"/>
               <a:pPr/>
-              <a:t>1/19/2023</a:t>
+              <a:t>1/25/2023</a:t>
             </a:fld>
             <a:endParaRPr lang="en-US" dirty="0"/>
           </a:p>
@@ -6737,7 +6737,7 @@
             <a:fld id="{F5592931-05C6-8543-8B6E-A8BD29BD5C2B}" type="datetime1">
               <a:rPr lang="en-US" smtClean="0"/>
               <a:pPr/>
-              <a:t>1/19/2023</a:t>
+              <a:t>1/25/2023</a:t>
             </a:fld>
             <a:endParaRPr lang="en-US" dirty="0"/>
           </a:p>
@@ -7965,7 +7965,7 @@
             <a:fld id="{7E7AB22C-8B7E-9B4A-8C65-396C3C874D86}" type="datetime1">
               <a:rPr lang="en-US" smtClean="0"/>
               <a:pPr/>
-              <a:t>1/19/2023</a:t>
+              <a:t>1/25/2023</a:t>
             </a:fld>
             <a:endParaRPr lang="en-US" dirty="0"/>
           </a:p>
@@ -8557,7 +8557,7 @@
             <a:fld id="{8CE9AC2A-20AD-8C48-B5EB-B5322BDBCDEE}" type="datetime1">
               <a:rPr lang="en-US" smtClean="0"/>
               <a:pPr/>
-              <a:t>1/19/2023</a:t>
+              <a:t>1/25/2023</a:t>
             </a:fld>
             <a:endParaRPr lang="en-US" dirty="0"/>
           </a:p>
@@ -9030,7 +9030,7 @@
             <a:fld id="{4CF75428-5BE0-934D-BB71-675F8E23A386}" type="datetime1">
               <a:rPr lang="en-US" smtClean="0"/>
               <a:pPr/>
-              <a:t>1/19/2023</a:t>
+              <a:t>1/25/2023</a:t>
             </a:fld>
             <a:endParaRPr lang="en-US" dirty="0"/>
           </a:p>
@@ -9880,7 +9880,7 @@
             <a:fld id="{9A85C5CA-AE29-AB4C-8F85-0373C72001D8}" type="datetime1">
               <a:rPr lang="en-US" smtClean="0"/>
               <a:pPr/>
-              <a:t>1/19/2023</a:t>
+              <a:t>1/25/2023</a:t>
             </a:fld>
             <a:endParaRPr lang="en-US" dirty="0"/>
           </a:p>
@@ -12105,7 +12105,7 @@
             <a:fld id="{75594855-01E8-5A4B-B2B8-E2ECEF879100}" type="datetime1">
               <a:rPr lang="en-US" smtClean="0"/>
               <a:pPr/>
-              <a:t>1/19/2023</a:t>
+              <a:t>1/25/2023</a:t>
             </a:fld>
             <a:endParaRPr lang="en-US" dirty="0"/>
           </a:p>
@@ -12374,7 +12374,7 @@
             <a:fld id="{B562DF68-3089-814D-8A14-C651FE91885E}" type="datetime1">
               <a:rPr lang="en-US" smtClean="0"/>
               <a:pPr/>
-              <a:t>1/19/2023</a:t>
+              <a:t>1/25/2023</a:t>
             </a:fld>
             <a:endParaRPr lang="en-US" dirty="0"/>
           </a:p>
@@ -13059,7 +13059,7 @@
             <a:fld id="{7E7AB22C-8B7E-9B4A-8C65-396C3C874D86}" type="datetime1">
               <a:rPr lang="en-US" smtClean="0"/>
               <a:pPr/>
-              <a:t>1/19/2023</a:t>
+              <a:t>1/25/2023</a:t>
             </a:fld>
             <a:endParaRPr lang="en-US" dirty="0"/>
           </a:p>
@@ -13231,7 +13231,7 @@
             <a:fld id="{7E7AB22C-8B7E-9B4A-8C65-396C3C874D86}" type="datetime1">
               <a:rPr lang="en-US" smtClean="0"/>
               <a:pPr/>
-              <a:t>1/19/2023</a:t>
+              <a:t>1/25/2023</a:t>
             </a:fld>
             <a:endParaRPr lang="en-US" dirty="0"/>
           </a:p>
@@ -13500,7 +13500,7 @@
             <a:fld id="{7E7AB22C-8B7E-9B4A-8C65-396C3C874D86}" type="datetime1">
               <a:rPr lang="en-US" smtClean="0"/>
               <a:pPr/>
-              <a:t>1/19/2023</a:t>
+              <a:t>1/25/2023</a:t>
             </a:fld>
             <a:endParaRPr lang="en-US" dirty="0"/>
           </a:p>
@@ -13672,7 +13672,7 @@
             <a:fld id="{8CE9AC2A-20AD-8C48-B5EB-B5322BDBCDEE}" type="datetime1">
               <a:rPr lang="en-US" smtClean="0"/>
               <a:pPr/>
-              <a:t>1/20/2023</a:t>
+              <a:t>1/25/2023</a:t>
             </a:fld>
             <a:endParaRPr lang="en-US" dirty="0"/>
           </a:p>
@@ -13831,7 +13831,7 @@
             <a:fld id="{D5E2F4D9-1A6B-894D-9E7D-8548C879BC04}" type="datetime1">
               <a:rPr lang="en-US" smtClean="0"/>
               <a:pPr/>
-              <a:t>1/19/2023</a:t>
+              <a:t>1/25/2023</a:t>
             </a:fld>
             <a:endParaRPr lang="en-US" dirty="0"/>
           </a:p>
@@ -14024,7 +14024,7 @@
             <a:fld id="{7E7AB22C-8B7E-9B4A-8C65-396C3C874D86}" type="datetime1">
               <a:rPr lang="en-US" smtClean="0"/>
               <a:pPr/>
-              <a:t>1/20/2023</a:t>
+              <a:t>1/25/2023</a:t>
             </a:fld>
             <a:endParaRPr lang="en-US" dirty="0"/>
           </a:p>
@@ -14060,8 +14060,8 @@
           </a:p>
         </p:txBody>
       </p:sp>
-      <mc:AlternateContent xmlns:mc="http://schemas.openxmlformats.org/markup-compatibility/2006">
-        <mc:Choice xmlns:a14="http://schemas.microsoft.com/office/drawing/2010/main" Requires="a14">
+      <mc:AlternateContent xmlns:mc="http://schemas.openxmlformats.org/markup-compatibility/2006" xmlns:a14="http://schemas.microsoft.com/office/drawing/2010/main">
+        <mc:Choice Requires="a14">
           <p:sp>
             <p:nvSpPr>
               <p:cNvPr id="7" name="TextBox 6">
@@ -14090,6 +14090,7 @@
               </a:bodyPr>
               <a:lstStyle/>
               <a:p>
+                <a:pPr/>
                 <a14:m>
                   <m:oMathPara xmlns:m="http://schemas.openxmlformats.org/officeDocument/2006/math">
                     <m:oMathParaPr>
@@ -14471,7 +14472,7 @@
             </p:txBody>
           </p:sp>
         </mc:Choice>
-        <mc:Fallback>
+        <mc:Fallback xmlns="">
           <p:sp>
             <p:nvSpPr>
               <p:cNvPr id="7" name="TextBox 6">
@@ -14564,8 +14565,8 @@
           </a:p>
         </p:txBody>
       </p:sp>
-      <mc:AlternateContent xmlns:mc="http://schemas.openxmlformats.org/markup-compatibility/2006">
-        <mc:Choice xmlns:a14="http://schemas.microsoft.com/office/drawing/2010/main" Requires="a14">
+      <mc:AlternateContent xmlns:mc="http://schemas.openxmlformats.org/markup-compatibility/2006" xmlns:a14="http://schemas.microsoft.com/office/drawing/2010/main">
+        <mc:Choice Requires="a14">
           <p:sp>
             <p:nvSpPr>
               <p:cNvPr id="9" name="TextBox 8">
@@ -14594,6 +14595,7 @@
               </a:bodyPr>
               <a:lstStyle/>
               <a:p>
+                <a:pPr/>
                 <a14:m>
                   <m:oMathPara xmlns:m="http://schemas.openxmlformats.org/officeDocument/2006/math">
                     <m:oMathParaPr>
@@ -14999,7 +15001,7 @@
             </p:txBody>
           </p:sp>
         </mc:Choice>
-        <mc:Fallback>
+        <mc:Fallback xmlns="">
           <p:sp>
             <p:nvSpPr>
               <p:cNvPr id="9" name="TextBox 8">
@@ -15092,8 +15094,8 @@
           </a:p>
         </p:txBody>
       </p:sp>
-      <mc:AlternateContent xmlns:mc="http://schemas.openxmlformats.org/markup-compatibility/2006">
-        <mc:Choice xmlns:a14="http://schemas.microsoft.com/office/drawing/2010/main" Requires="a14">
+      <mc:AlternateContent xmlns:mc="http://schemas.openxmlformats.org/markup-compatibility/2006" xmlns:a14="http://schemas.microsoft.com/office/drawing/2010/main">
+        <mc:Choice Requires="a14">
           <p:sp>
             <p:nvSpPr>
               <p:cNvPr id="11" name="TextBox 10">
@@ -15122,6 +15124,7 @@
               </a:bodyPr>
               <a:lstStyle/>
               <a:p>
+                <a:pPr/>
                 <a14:m>
                   <m:oMathPara xmlns:m="http://schemas.openxmlformats.org/officeDocument/2006/math">
                     <m:oMathParaPr>
@@ -15562,7 +15565,7 @@
             </p:txBody>
           </p:sp>
         </mc:Choice>
-        <mc:Fallback>
+        <mc:Fallback xmlns="">
           <p:sp>
             <p:nvSpPr>
               <p:cNvPr id="11" name="TextBox 10">
@@ -15690,8 +15693,8 @@
           </a:p>
         </p:txBody>
       </p:sp>
-      <mc:AlternateContent xmlns:mc="http://schemas.openxmlformats.org/markup-compatibility/2006">
-        <mc:Choice xmlns:a14="http://schemas.microsoft.com/office/drawing/2010/main" Requires="a14">
+      <mc:AlternateContent xmlns:mc="http://schemas.openxmlformats.org/markup-compatibility/2006" xmlns:a14="http://schemas.microsoft.com/office/drawing/2010/main">
+        <mc:Choice Requires="a14">
           <p:sp>
             <p:nvSpPr>
               <p:cNvPr id="14" name="TextBox 13">
@@ -15720,6 +15723,7 @@
               </a:bodyPr>
               <a:lstStyle/>
               <a:p>
+                <a:pPr/>
                 <a14:m>
                   <m:oMathPara xmlns:m="http://schemas.openxmlformats.org/officeDocument/2006/math">
                     <m:oMathParaPr>
@@ -16082,7 +16086,7 @@
             </p:txBody>
           </p:sp>
         </mc:Choice>
-        <mc:Fallback>
+        <mc:Fallback xmlns="">
           <p:sp>
             <p:nvSpPr>
               <p:cNvPr id="14" name="TextBox 13">
@@ -16214,7 +16218,7 @@
             <a:fld id="{7E7AB22C-8B7E-9B4A-8C65-396C3C874D86}" type="datetime1">
               <a:rPr lang="en-US" smtClean="0"/>
               <a:pPr/>
-              <a:t>1/20/2023</a:t>
+              <a:t>1/25/2023</a:t>
             </a:fld>
             <a:endParaRPr lang="en-US" dirty="0"/>
           </a:p>
@@ -18395,7 +18399,7 @@
             <a:fld id="{7E7AB22C-8B7E-9B4A-8C65-396C3C874D86}" type="datetime1">
               <a:rPr lang="en-US" smtClean="0"/>
               <a:pPr/>
-              <a:t>1/20/2023</a:t>
+              <a:t>1/25/2023</a:t>
             </a:fld>
             <a:endParaRPr lang="en-US" dirty="0"/>
           </a:p>
@@ -21264,7 +21268,7 @@
           <p:nvPr>
             <p:extLst>
               <p:ext uri="{D42A27DB-BD31-4B8C-83A1-F6EECF244321}">
-                <p14:modId xmlns:p14="http://schemas.microsoft.com/office/powerpoint/2010/main" val="1785978865"/>
+                <p14:modId xmlns:p14="http://schemas.microsoft.com/office/powerpoint/2010/main" val="1987907379"/>
               </p:ext>
             </p:extLst>
           </p:nvPr>
@@ -28417,7 +28421,7 @@
             <a:fld id="{7E7AB22C-8B7E-9B4A-8C65-396C3C874D86}" type="datetime1">
               <a:rPr lang="en-US" smtClean="0"/>
               <a:pPr/>
-              <a:t>1/19/2023</a:t>
+              <a:t>1/25/2023</a:t>
             </a:fld>
             <a:endParaRPr lang="en-US" dirty="0"/>
           </a:p>
@@ -34095,7 +34099,7 @@
             <a:fld id="{8CE9AC2A-20AD-8C48-B5EB-B5322BDBCDEE}" type="datetime1">
               <a:rPr lang="en-US" smtClean="0"/>
               <a:pPr/>
-              <a:t>1/19/2023</a:t>
+              <a:t>1/25/2023</a:t>
             </a:fld>
             <a:endParaRPr lang="en-US" dirty="0"/>
           </a:p>
@@ -34670,34 +34674,6 @@
 </file>
 
 <file path=customXml/item1.xml><?xml version="1.0" encoding="utf-8"?>
-<?mso-contentType ?>
-<FormTemplates xmlns="http://schemas.microsoft.com/sharepoint/v3/contenttype/forms">
-  <Display>DocumentLibraryForm</Display>
-  <Edit>DocumentLibraryForm</Edit>
-  <New>DocumentLibraryForm</New>
-</FormTemplates>
-</file>
-
-<file path=customXml/item2.xml><?xml version="1.0" encoding="utf-8"?>
-<p:properties xmlns:p="http://schemas.microsoft.com/office/2006/metadata/properties" xmlns:xsi="http://www.w3.org/2001/XMLSchema-instance" xmlns:pc="http://schemas.microsoft.com/office/infopath/2007/PartnerControls">
-  <documentManagement>
-    <_ip_UnifiedCompliancePolicyUIAction xmlns="http://schemas.microsoft.com/sharepoint/v3" xsi:nil="true"/>
-    <Image xmlns="71af3243-3dd4-4a8d-8c0d-dd76da1f02a5">
-      <Url xsi:nil="true"/>
-      <Description xsi:nil="true"/>
-    </Image>
-    <Status xmlns="71af3243-3dd4-4a8d-8c0d-dd76da1f02a5">Not started</Status>
-    <_ip_UnifiedCompliancePolicyProperties xmlns="http://schemas.microsoft.com/sharepoint/v3" xsi:nil="true"/>
-    <ImageTagsTaxHTField xmlns="71af3243-3dd4-4a8d-8c0d-dd76da1f02a5">
-      <Terms xmlns="http://schemas.microsoft.com/office/infopath/2007/PartnerControls"/>
-    </ImageTagsTaxHTField>
-    <TaxCatchAll xmlns="230e9df3-be65-4c73-a93b-d1236ebd677e"/>
-    <MediaServiceKeyPoints xmlns="71af3243-3dd4-4a8d-8c0d-dd76da1f02a5" xsi:nil="true"/>
-  </documentManagement>
-</p:properties>
-</file>
-
-<file path=customXml/item3.xml><?xml version="1.0" encoding="utf-8"?>
 <ct:contentTypeSchema xmlns:ct="http://schemas.microsoft.com/office/2006/metadata/contentType" xmlns:ma="http://schemas.microsoft.com/office/2006/metadata/properties/metaAttributes" ct:_="" ma:_="" ma:contentTypeName="Document" ma:contentTypeID="0x01010079F111ED35F8CC479449609E8A0923A6" ma:contentTypeVersion="21" ma:contentTypeDescription="Create a new document." ma:contentTypeScope="" ma:versionID="64dfb1555687e0874b4304b796b5b0c7">
   <xsd:schema xmlns:xsd="http://www.w3.org/2001/XMLSchema" xmlns:xs="http://www.w3.org/2001/XMLSchema" xmlns:p="http://schemas.microsoft.com/office/2006/metadata/properties" xmlns:ns1="http://schemas.microsoft.com/sharepoint/v3" xmlns:ns2="71af3243-3dd4-4a8d-8c0d-dd76da1f02a5" xmlns:ns3="16c05727-aa75-4e4a-9b5f-8a80a1165891" xmlns:ns4="230e9df3-be65-4c73-a93b-d1236ebd677e" targetNamespace="http://schemas.microsoft.com/office/2006/metadata/properties" ma:root="true" ma:fieldsID="e6e4c555b5e194d05b7203de9c4567b3" ns1:_="" ns2:_="" ns3:_="" ns4:_="">
     <xsd:import namespace="http://schemas.microsoft.com/sharepoint/v3"/>
@@ -34979,27 +34955,35 @@
 </ct:contentTypeSchema>
 </file>
 
-<file path=customXml/itemProps1.xml><?xml version="1.0" encoding="utf-8"?>
-<ds:datastoreItem xmlns:ds="http://schemas.openxmlformats.org/officeDocument/2006/customXml" ds:itemID="{85334180-0405-413B-834A-44FA9E05ADB7}">
-  <ds:schemaRefs>
-    <ds:schemaRef ds:uri="http://schemas.microsoft.com/sharepoint/v3/contenttype/forms"/>
-  </ds:schemaRefs>
-</ds:datastoreItem>
+<file path=customXml/item2.xml><?xml version="1.0" encoding="utf-8"?>
+<p:properties xmlns:p="http://schemas.microsoft.com/office/2006/metadata/properties" xmlns:xsi="http://www.w3.org/2001/XMLSchema-instance" xmlns:pc="http://schemas.microsoft.com/office/infopath/2007/PartnerControls">
+  <documentManagement>
+    <_ip_UnifiedCompliancePolicyUIAction xmlns="http://schemas.microsoft.com/sharepoint/v3" xsi:nil="true"/>
+    <Image xmlns="71af3243-3dd4-4a8d-8c0d-dd76da1f02a5">
+      <Url xsi:nil="true"/>
+      <Description xsi:nil="true"/>
+    </Image>
+    <Status xmlns="71af3243-3dd4-4a8d-8c0d-dd76da1f02a5">Not started</Status>
+    <_ip_UnifiedCompliancePolicyProperties xmlns="http://schemas.microsoft.com/sharepoint/v3" xsi:nil="true"/>
+    <ImageTagsTaxHTField xmlns="71af3243-3dd4-4a8d-8c0d-dd76da1f02a5">
+      <Terms xmlns="http://schemas.microsoft.com/office/infopath/2007/PartnerControls"/>
+    </ImageTagsTaxHTField>
+    <TaxCatchAll xmlns="230e9df3-be65-4c73-a93b-d1236ebd677e"/>
+    <MediaServiceKeyPoints xmlns="71af3243-3dd4-4a8d-8c0d-dd76da1f02a5" xsi:nil="true"/>
+  </documentManagement>
+</p:properties>
 </file>
 
-<file path=customXml/itemProps2.xml><?xml version="1.0" encoding="utf-8"?>
-<ds:datastoreItem xmlns:ds="http://schemas.openxmlformats.org/officeDocument/2006/customXml" ds:itemID="{4D5BAB77-79E1-4739-AA51-10C9079186D6}">
-  <ds:schemaRefs>
-    <ds:schemaRef ds:uri="http://schemas.microsoft.com/office/2006/metadata/properties"/>
-    <ds:schemaRef ds:uri="http://schemas.microsoft.com/office/infopath/2007/PartnerControls"/>
-    <ds:schemaRef ds:uri="http://schemas.microsoft.com/sharepoint/v3"/>
-    <ds:schemaRef ds:uri="71af3243-3dd4-4a8d-8c0d-dd76da1f02a5"/>
-    <ds:schemaRef ds:uri="230e9df3-be65-4c73-a93b-d1236ebd677e"/>
-  </ds:schemaRefs>
-</ds:datastoreItem>
+<file path=customXml/item3.xml><?xml version="1.0" encoding="utf-8"?>
+<?mso-contentType ?>
+<FormTemplates xmlns="http://schemas.microsoft.com/sharepoint/v3/contenttype/forms">
+  <Display>DocumentLibraryForm</Display>
+  <Edit>DocumentLibraryForm</Edit>
+  <New>DocumentLibraryForm</New>
+</FormTemplates>
 </file>
 
-<file path=customXml/itemProps3.xml><?xml version="1.0" encoding="utf-8"?>
+<file path=customXml/itemProps1.xml><?xml version="1.0" encoding="utf-8"?>
 <ds:datastoreItem xmlns:ds="http://schemas.openxmlformats.org/officeDocument/2006/customXml" ds:itemID="{4A615295-94F6-4CE2-A1B1-6B7E1DAA5AD6}">
   <ds:schemaRefs>
     <ds:schemaRef ds:uri="http://schemas.microsoft.com/office/2006/metadata/contentType"/>
@@ -35020,6 +35004,26 @@
 </ds:datastoreItem>
 </file>
 
+<file path=customXml/itemProps2.xml><?xml version="1.0" encoding="utf-8"?>
+<ds:datastoreItem xmlns:ds="http://schemas.openxmlformats.org/officeDocument/2006/customXml" ds:itemID="{4D5BAB77-79E1-4739-AA51-10C9079186D6}">
+  <ds:schemaRefs>
+    <ds:schemaRef ds:uri="http://schemas.microsoft.com/office/2006/metadata/properties"/>
+    <ds:schemaRef ds:uri="http://schemas.microsoft.com/office/infopath/2007/PartnerControls"/>
+    <ds:schemaRef ds:uri="http://schemas.microsoft.com/sharepoint/v3"/>
+    <ds:schemaRef ds:uri="71af3243-3dd4-4a8d-8c0d-dd76da1f02a5"/>
+    <ds:schemaRef ds:uri="230e9df3-be65-4c73-a93b-d1236ebd677e"/>
+  </ds:schemaRefs>
+</ds:datastoreItem>
+</file>
+
+<file path=customXml/itemProps3.xml><?xml version="1.0" encoding="utf-8"?>
+<ds:datastoreItem xmlns:ds="http://schemas.openxmlformats.org/officeDocument/2006/customXml" ds:itemID="{85334180-0405-413B-834A-44FA9E05ADB7}">
+  <ds:schemaRefs>
+    <ds:schemaRef ds:uri="http://schemas.microsoft.com/sharepoint/v3/contenttype/forms"/>
+  </ds:schemaRefs>
+</ds:datastoreItem>
+</file>
+
 <file path=docMetadata/LabelInfo.xml><?xml version="1.0" encoding="utf-8"?>
 <clbl:labelList xmlns:clbl="http://schemas.microsoft.com/office/2020/mipLabelMetadata">
   <clbl:label id="{f42aa342-8706-4288-bd11-ebb85995028c}" enabled="1" method="Standard" siteId="{72f988bf-86f1-41af-91ab-2d7cd011db47}" removed="0"/>
